--- a/Git Presentation.pptx
+++ b/Git Presentation.pptx
@@ -108,6 +108,11 @@
       </a:defRPr>
     </a:lvl9pPr>
   </p:defaultTextStyle>
+  <p:extLst>
+    <p:ext uri="{EFAFB233-063F-42B5-8137-9DF3F51BA10A}">
+      <p15:sldGuideLst xmlns:p15="http://schemas.microsoft.com/office/powerpoint/2012/main"/>
+    </p:ext>
+  </p:extLst>
 </p:presentation>
 </file>
 
@@ -3414,6 +3419,82 @@
           </a:p>
         </p:txBody>
       </p:sp>
+      <p:sp>
+        <p:nvSpPr>
+          <p:cNvPr id="3" name="Title 1">
+            <a:extLst>
+              <a:ext uri="{FF2B5EF4-FFF2-40B4-BE49-F238E27FC236}">
+                <a16:creationId xmlns:a16="http://schemas.microsoft.com/office/drawing/2014/main" id="{0AD6CCD9-E048-B4CB-A2C0-142DC44D1F73}"/>
+              </a:ext>
+            </a:extLst>
+          </p:cNvPr>
+          <p:cNvSpPr txBox="1">
+            <a:spLocks/>
+          </p:cNvSpPr>
+          <p:nvPr/>
+        </p:nvSpPr>
+        <p:spPr>
+          <a:xfrm>
+            <a:off x="7620359" y="6108192"/>
+            <a:ext cx="4714897" cy="749808"/>
+          </a:xfrm>
+          <a:prstGeom prst="rect">
+            <a:avLst/>
+          </a:prstGeom>
+        </p:spPr>
+        <p:txBody>
+          <a:bodyPr vert="horz" lIns="91440" tIns="45720" rIns="91440" bIns="45720" rtlCol="0" anchor="t">
+            <a:noAutofit/>
+          </a:bodyPr>
+          <a:lstStyle>
+            <a:lvl1pPr algn="ctr" defTabSz="914400" rtl="0" eaLnBrk="1" latinLnBrk="0" hangingPunct="1">
+              <a:lnSpc>
+                <a:spcPct val="90000"/>
+              </a:lnSpc>
+              <a:spcBef>
+                <a:spcPct val="0"/>
+              </a:spcBef>
+              <a:buNone/>
+              <a:defRPr sz="6000" kern="1200">
+                <a:solidFill>
+                  <a:schemeClr val="tx1"/>
+                </a:solidFill>
+                <a:latin typeface="+mj-lt"/>
+                <a:ea typeface="+mj-ea"/>
+                <a:cs typeface="+mj-cs"/>
+              </a:defRPr>
+            </a:lvl1pPr>
+          </a:lstStyle>
+          <a:p>
+            <a:pPr algn="l"/>
+            <a:r>
+              <a:rPr lang="en-US" sz="2400">
+                <a:latin typeface="+mn-lt"/>
+              </a:rPr>
+              <a:t>Created by: </a:t>
+            </a:r>
+            <a:r>
+              <a:rPr lang="en-US" sz="2400">
+                <a:latin typeface="+mn-lt"/>
+                <a:hlinkClick r:id="rId2"/>
+              </a:rPr>
+              <a:t>thanho.dut@gmail.com</a:t>
+            </a:r>
+            <a:endParaRPr lang="en-US" sz="2400">
+              <a:latin typeface="+mn-lt"/>
+            </a:endParaRPr>
+          </a:p>
+          <a:p>
+            <a:pPr algn="l"/>
+            <a:r>
+              <a:rPr lang="en-US" sz="2400">
+                <a:latin typeface="+mn-lt"/>
+              </a:rPr>
+              <a:t>Automation Engineer</a:t>
+            </a:r>
+          </a:p>
+        </p:txBody>
+      </p:sp>
     </p:spTree>
     <p:extLst>
       <p:ext uri="{BB962C8B-B14F-4D97-AF65-F5344CB8AC3E}">
@@ -4172,11 +4253,14 @@
                 <a:latin typeface="+mn-lt"/>
                 <a:hlinkClick r:id="rId2"/>
               </a:rPr>
-              <a:t>your_email@example.com</a:t>
-            </a:r>
-            <a:endParaRPr lang="de-DE" sz="2400">
-              <a:latin typeface="+mn-lt"/>
-            </a:endParaRPr>
+              <a:t>“your_email@example.com</a:t>
+            </a:r>
+            <a:r>
+              <a:rPr lang="de-DE" sz="2400">
+                <a:latin typeface="+mn-lt"/>
+              </a:rPr>
+              <a:t>“</a:t>
+            </a:r>
           </a:p>
           <a:p>
             <a:pPr marL="342900" indent="-342900" algn="l">

--- a/Git Presentation.pptx
+++ b/Git Presentation.pptx
@@ -3349,7 +3349,7 @@
         <p:spPr>
           <a:xfrm>
             <a:off x="995081" y="2235200"/>
-            <a:ext cx="9923929" cy="2387600"/>
+            <a:ext cx="10462351" cy="2387600"/>
           </a:xfrm>
         </p:spPr>
         <p:txBody>
@@ -4537,8 +4537,8 @@
         </p:nvSpPr>
         <p:spPr>
           <a:xfrm>
-            <a:off x="286870" y="1433609"/>
-            <a:ext cx="8731623" cy="4178297"/>
+            <a:off x="286871" y="1205010"/>
+            <a:ext cx="8731623" cy="5168358"/>
           </a:xfrm>
           <a:prstGeom prst="rect">
             <a:avLst/>
@@ -4568,48 +4568,41 @@
             </a:lvl1pPr>
           </a:lstStyle>
           <a:p>
+            <a:pPr marL="457200" indent="-457200" algn="l">
+              <a:buFont typeface="+mj-lt"/>
+              <a:buAutoNum type="arabicPeriod"/>
+            </a:pPr>
+            <a:r>
+              <a:rPr lang="de-DE" sz="2000">
+                <a:latin typeface="+mn-lt"/>
+              </a:rPr>
+              <a:t>Create a repo on github</a:t>
+            </a:r>
+          </a:p>
+          <a:p>
+            <a:pPr marL="457200" indent="-457200" algn="l">
+              <a:buFont typeface="+mj-lt"/>
+              <a:buAutoNum type="arabicPeriod"/>
+            </a:pPr>
+            <a:r>
+              <a:rPr lang="de-DE" sz="2000">
+                <a:latin typeface="+mn-lt"/>
+              </a:rPr>
+              <a:t>Create a </a:t>
+            </a:r>
+          </a:p>
+          <a:p>
             <a:pPr marL="342900" indent="-342900" algn="l">
               <a:buFont typeface="Arial" panose="020B0604020202020204" pitchFamily="34" charset="0"/>
               <a:buChar char="•"/>
             </a:pPr>
-            <a:r>
-              <a:rPr lang="de-DE" sz="2400">
-                <a:latin typeface="+mn-lt"/>
-              </a:rPr>
-              <a:t> ssh-keygen -t rsa -b 4096 -C </a:t>
-            </a:r>
-            <a:r>
-              <a:rPr lang="de-DE" sz="2400">
-                <a:latin typeface="+mn-lt"/>
-                <a:hlinkClick r:id="rId2"/>
-              </a:rPr>
-              <a:t>your_email@example.com</a:t>
-            </a:r>
-            <a:endParaRPr lang="de-DE" sz="2400">
+            <a:endParaRPr lang="de-DE" sz="2000">
               <a:latin typeface="+mn-lt"/>
             </a:endParaRPr>
           </a:p>
           <a:p>
-            <a:pPr marL="342900" indent="-342900" algn="l">
-              <a:buFont typeface="Arial" panose="020B0604020202020204" pitchFamily="34" charset="0"/>
-              <a:buChar char="•"/>
-            </a:pPr>
-            <a:endParaRPr lang="de-DE" sz="2400">
-              <a:latin typeface="+mn-lt"/>
-            </a:endParaRPr>
-          </a:p>
-          <a:p>
-            <a:pPr marL="342900" indent="-342900" algn="l">
-              <a:buFont typeface="Arial" panose="020B0604020202020204" pitchFamily="34" charset="0"/>
-              <a:buChar char="•"/>
-            </a:pPr>
-            <a:endParaRPr lang="de-DE" sz="2400">
-              <a:latin typeface="+mn-lt"/>
-            </a:endParaRPr>
-          </a:p>
-          <a:p>
             <a:pPr algn="l"/>
-            <a:endParaRPr lang="en-US" sz="2400">
+            <a:endParaRPr lang="en-US" sz="2000">
               <a:latin typeface="+mn-lt"/>
             </a:endParaRPr>
           </a:p>
